--- a/images/포트폴리오웹 UI개선 결과.pptx
+++ b/images/포트폴리오웹 UI개선 결과.pptx
@@ -8804,9 +8804,10 @@
               <a:t>: </a:t>
             </a:r>
             <a:r>
-              <a:rPr lang="ko-KR" altLang="en-US" dirty="0"/>
-              <a:t>본인이름</a:t>
+              <a:rPr lang="ko-KR" altLang="en-US" dirty="0" err="1"/>
+              <a:t>서은교</a:t>
             </a:r>
+            <a:endParaRPr lang="ko-KR" altLang="en-US" dirty="0"/>
           </a:p>
         </p:txBody>
       </p:sp>
